--- a/Chap/ReFac/Presentations/Refactoring.pptx
+++ b/Chap/ReFac/Presentations/Refactoring.pptx
@@ -3152,13 +3152,24 @@
           <a:p>
             <a:r>
               <a:rPr lang="en-US" sz="3200" smtClean="0"/>
-              <a:t>Code </a:t>
+              <a:t>Code smells (examples from </a:t>
             </a:r>
             <a:r>
               <a:rPr lang="en-US" sz="3200" smtClean="0"/>
-              <a:t>smells (examples from [KB:R])…</a:t>
-            </a:r>
-            <a:endParaRPr lang="en-US" sz="3200" smtClean="0"/>
+              <a:t>[</a:t>
+            </a:r>
+            <a:r>
+              <a:rPr lang="en-US" sz="3200" smtClean="0"/>
+              <a:t>MF</a:t>
+            </a:r>
+            <a:r>
+              <a:rPr lang="en-US" sz="3200" smtClean="0"/>
+              <a:t>:R</a:t>
+            </a:r>
+            <a:r>
+              <a:rPr lang="en-US" sz="3200" smtClean="0"/>
+              <a:t>])…</a:t>
+            </a:r>
           </a:p>
           <a:p>
             <a:pPr lvl="1"/>
@@ -3213,7 +3224,6 @@
               <a:rPr lang="en-US" sz="2800" i="1" smtClean="0"/>
               <a:t>)</a:t>
             </a:r>
-            <a:endParaRPr lang="en-US" sz="2800" i="1" smtClean="0"/>
           </a:p>
           <a:p>
             <a:pPr lvl="1"/>
@@ -3339,7 +3349,6 @@
               <a:rPr lang="en-US" sz="3200" smtClean="0"/>
               <a:t>Categories of smells (an attempt)…</a:t>
             </a:r>
-            <a:endParaRPr lang="en-US" sz="3200" smtClean="0"/>
           </a:p>
           <a:p>
             <a:pPr lvl="1"/>
@@ -3352,11 +3361,7 @@
             <a:pPr lvl="1"/>
             <a:r>
               <a:rPr lang="en-US" sz="2800" i="1"/>
-              <a:t>Class Does </a:t>
-            </a:r>
-            <a:r>
-              <a:rPr lang="en-US" sz="2800" i="1"/>
-              <a:t>Too </a:t>
+              <a:t>Class Does Too </a:t>
             </a:r>
             <a:r>
               <a:rPr lang="en-US" sz="2800" i="1" smtClean="0"/>
@@ -3373,7 +3378,6 @@
               <a:rPr lang="en-US" sz="2800" i="1" smtClean="0"/>
               <a:t>Is Missing</a:t>
             </a:r>
-            <a:endParaRPr lang="en-US" sz="2800" i="1" smtClean="0"/>
           </a:p>
           <a:p>
             <a:pPr lvl="1"/>
@@ -3388,7 +3392,6 @@
               <a:rPr lang="en-US" sz="2800" i="1" smtClean="0"/>
               <a:t>Code is WET (i.e. not DRY)</a:t>
             </a:r>
-            <a:endParaRPr lang="en-US" sz="2800" i="1" smtClean="0"/>
           </a:p>
         </p:txBody>
       </p:sp>
@@ -3542,7 +3545,6 @@
               <a:rPr lang="en-US" sz="2800" i="1" smtClean="0"/>
               <a:t>Inappropriate Intimacy</a:t>
             </a:r>
-            <a:endParaRPr lang="en-US" sz="2800" i="1" smtClean="0"/>
           </a:p>
         </p:txBody>
       </p:sp>
@@ -3659,11 +3661,7 @@
           <a:p>
             <a:r>
               <a:rPr lang="en-US" sz="3200" i="1"/>
-              <a:t>Class Does </a:t>
-            </a:r>
-            <a:r>
-              <a:rPr lang="en-US" sz="3200" i="1"/>
-              <a:t>Too </a:t>
+              <a:t>Class Does Too </a:t>
             </a:r>
             <a:r>
               <a:rPr lang="en-US" sz="3200" i="1" smtClean="0"/>
@@ -3705,7 +3703,6 @@
               <a:rPr lang="en-US" sz="2800" i="1" smtClean="0"/>
               <a:t>Refused Bequest</a:t>
             </a:r>
-            <a:endParaRPr lang="en-US" sz="2800" i="1" smtClean="0"/>
           </a:p>
         </p:txBody>
       </p:sp>
@@ -3864,7 +3861,6 @@
               <a:rPr lang="en-US" sz="2800" i="1" smtClean="0"/>
               <a:t>Temporary Field</a:t>
             </a:r>
-            <a:endParaRPr lang="en-US" sz="2800" i="1" smtClean="0"/>
           </a:p>
         </p:txBody>
       </p:sp>
@@ -3985,11 +3981,7 @@
             </a:r>
             <a:r>
               <a:rPr lang="en-US" sz="3200" i="1"/>
-              <a:t>Does </a:t>
-            </a:r>
-            <a:r>
-              <a:rPr lang="en-US" sz="3200" i="1"/>
-              <a:t>Too </a:t>
+              <a:t>Does Too </a:t>
             </a:r>
             <a:r>
               <a:rPr lang="en-US" sz="3200" i="1" smtClean="0"/>
@@ -4024,7 +4016,6 @@
               <a:rPr lang="en-US" sz="2800" i="1" smtClean="0"/>
               <a:t>Comments</a:t>
             </a:r>
-            <a:endParaRPr lang="en-US" sz="2800" i="1" smtClean="0"/>
           </a:p>
         </p:txBody>
       </p:sp>
@@ -4165,7 +4156,6 @@
               <a:rPr lang="en-US" sz="2800" i="1" smtClean="0"/>
               <a:t>Alternative Classes with Different Interfaces</a:t>
             </a:r>
-            <a:endParaRPr lang="en-US" sz="2800" i="1" smtClean="0"/>
           </a:p>
         </p:txBody>
       </p:sp>
@@ -4282,13 +4272,8 @@
           <a:p>
             <a:r>
               <a:rPr lang="en-US" sz="3200" smtClean="0"/>
-              <a:t>Code </a:t>
-            </a:r>
-            <a:r>
-              <a:rPr lang="en-US" sz="3200" smtClean="0"/>
-              <a:t>smells (examples from [JK:RtP])…</a:t>
-            </a:r>
-            <a:endParaRPr lang="en-US" sz="3200" smtClean="0"/>
+              <a:t>Code smells (examples from [JK:RtP])…</a:t>
+            </a:r>
           </a:p>
           <a:p>
             <a:pPr lvl="1"/>
@@ -4317,7 +4302,6 @@
               <a:rPr lang="en-US" sz="2800" i="1" smtClean="0"/>
               <a:t>Combinatorial Explosion</a:t>
             </a:r>
-            <a:endParaRPr lang="en-US" sz="2800" i="1" smtClean="0"/>
           </a:p>
           <a:p>
             <a:pPr lvl="1"/>
@@ -4325,7 +4309,6 @@
               <a:rPr lang="en-US" sz="2800" i="1" smtClean="0"/>
               <a:t>Oddball Solution</a:t>
             </a:r>
-            <a:endParaRPr lang="en-US" sz="2800" i="1" smtClean="0"/>
           </a:p>
         </p:txBody>
       </p:sp>
@@ -4442,23 +4425,30 @@
           <a:p>
             <a:r>
               <a:rPr lang="en-US" sz="3200" smtClean="0"/>
-              <a:t>Refactoring </a:t>
+              <a:t>Refactoring operations (from </a:t>
             </a:r>
             <a:r>
               <a:rPr lang="en-US" sz="3200" smtClean="0"/>
-              <a:t>operations (from [KB:R])…</a:t>
-            </a:r>
-            <a:endParaRPr lang="en-US" sz="3200" smtClean="0"/>
+              <a:t>[</a:t>
+            </a:r>
+            <a:r>
+              <a:rPr lang="en-US" sz="3200" smtClean="0"/>
+              <a:t>MF</a:t>
+            </a:r>
+            <a:r>
+              <a:rPr lang="en-US" sz="3200" smtClean="0"/>
+              <a:t>:R</a:t>
+            </a:r>
+            <a:r>
+              <a:rPr lang="en-US" sz="3200" smtClean="0"/>
+              <a:t>])…</a:t>
+            </a:r>
           </a:p>
           <a:p>
             <a:pPr lvl="1"/>
             <a:r>
               <a:rPr lang="en-US" sz="2800" i="1" smtClean="0"/>
-              <a:t>Rename </a:t>
-            </a:r>
-            <a:r>
-              <a:rPr lang="en-US" sz="2800" i="1" smtClean="0"/>
-              <a:t>Method</a:t>
+              <a:t>Rename Method</a:t>
             </a:r>
           </a:p>
           <a:p>
@@ -4474,17 +4464,12 @@
               <a:rPr lang="en-US" sz="2800" i="1" smtClean="0"/>
               <a:t>Move Method</a:t>
             </a:r>
-            <a:endParaRPr lang="en-US" sz="2800" i="1" smtClean="0"/>
           </a:p>
           <a:p>
             <a:pPr lvl="1"/>
             <a:r>
               <a:rPr lang="en-US" sz="2800" i="1" smtClean="0"/>
-              <a:t>Extract </a:t>
-            </a:r>
-            <a:r>
-              <a:rPr lang="en-US" sz="2800" i="1" smtClean="0"/>
-              <a:t>Method</a:t>
+              <a:t>Extract Method</a:t>
             </a:r>
           </a:p>
           <a:p>
@@ -4493,28 +4478,19 @@
               <a:rPr lang="en-US" sz="2800" i="1" smtClean="0"/>
               <a:t>Extract Class</a:t>
             </a:r>
-            <a:endParaRPr lang="en-US" sz="2800" i="1" smtClean="0"/>
           </a:p>
           <a:p>
             <a:pPr lvl="1"/>
             <a:r>
               <a:rPr lang="en-US" sz="2800" i="1" smtClean="0"/>
-              <a:t>Replace Temp with </a:t>
-            </a:r>
+              <a:t>Replace Temp with Query</a:t>
+            </a:r>
+          </a:p>
+          <a:p>
+            <a:pPr lvl="1"/>
             <a:r>
               <a:rPr lang="en-US" sz="2800" i="1" smtClean="0"/>
-              <a:t>Query</a:t>
-            </a:r>
-          </a:p>
-          <a:p>
-            <a:pPr lvl="1"/>
-            <a:r>
-              <a:rPr lang="en-US" sz="2800" i="1" smtClean="0"/>
-              <a:t>Decompose </a:t>
-            </a:r>
-            <a:r>
-              <a:rPr lang="en-US" sz="2800" i="1" smtClean="0"/>
-              <a:t>Conditional</a:t>
+              <a:t>Decompose Conditional</a:t>
             </a:r>
           </a:p>
           <a:p>
@@ -4640,27 +4616,14 @@
           <a:p>
             <a:r>
               <a:rPr lang="en-US" sz="3200" smtClean="0"/>
-              <a:t>Refactoring </a:t>
-            </a:r>
-            <a:r>
-              <a:rPr lang="en-US" sz="3200" smtClean="0"/>
-              <a:t>operations (towards patterns, from [JK:RtP])…</a:t>
-            </a:r>
-            <a:endParaRPr lang="en-US" sz="3200" smtClean="0"/>
+              <a:t>Refactoring operations (towards patterns, from [JK:RtP])…</a:t>
+            </a:r>
           </a:p>
           <a:p>
             <a:pPr lvl="1"/>
             <a:r>
               <a:rPr lang="en-US" sz="2800" i="1" smtClean="0"/>
-              <a:t>Replace Conditional Logic </a:t>
-            </a:r>
-            <a:r>
-              <a:rPr lang="en-US" sz="2800" i="1" smtClean="0"/>
-              <a:t>with </a:t>
-            </a:r>
-            <a:r>
-              <a:rPr lang="en-US" sz="2800" i="1" smtClean="0"/>
-              <a:t>Strategy</a:t>
+              <a:t>Replace Conditional Logic with Strategy</a:t>
             </a:r>
           </a:p>
           <a:p>
@@ -4669,25 +4632,12 @@
               <a:rPr lang="en-US" sz="2800" i="1" smtClean="0"/>
               <a:t>Unify Interfaces with Adapter</a:t>
             </a:r>
-            <a:endParaRPr lang="en-US" sz="2800" i="1" smtClean="0"/>
           </a:p>
           <a:p>
             <a:pPr lvl="1"/>
             <a:r>
               <a:rPr lang="en-US" sz="2800" i="1" smtClean="0"/>
-              <a:t>Replace </a:t>
-            </a:r>
-            <a:r>
-              <a:rPr lang="en-US" sz="2800" i="1" smtClean="0"/>
-              <a:t>Constructors </a:t>
-            </a:r>
-            <a:r>
-              <a:rPr lang="en-US" sz="2800" i="1" smtClean="0"/>
-              <a:t>with </a:t>
-            </a:r>
-            <a:r>
-              <a:rPr lang="en-US" sz="2800" i="1" smtClean="0"/>
-              <a:t>Creation Method</a:t>
+              <a:t>Replace Constructors with Creation Method</a:t>
             </a:r>
           </a:p>
           <a:p>
@@ -4703,17 +4653,12 @@
               <a:rPr lang="en-US" sz="2800" i="1" smtClean="0"/>
               <a:t>Replace Implicit Tree with Composite</a:t>
             </a:r>
-            <a:endParaRPr lang="en-US" sz="2800" i="1" smtClean="0"/>
           </a:p>
           <a:p>
             <a:pPr lvl="1"/>
             <a:r>
               <a:rPr lang="en-US" sz="2800" i="1"/>
-              <a:t>…</a:t>
-            </a:r>
-            <a:r>
-              <a:rPr lang="en-US" sz="2800" i="1"/>
-              <a:t>and </a:t>
+              <a:t>…and </a:t>
             </a:r>
             <a:r>
               <a:rPr lang="en-US" sz="2800" i="1" smtClean="0"/>
@@ -5151,11 +5096,23 @@
           <a:p>
             <a:r>
               <a:rPr lang="da-DK" b="1" smtClean="0"/>
-              <a:t>Refactoring </a:t>
+              <a:t>Refactoring books </a:t>
             </a:r>
             <a:r>
               <a:rPr lang="da-DK" b="1" smtClean="0"/>
-              <a:t>books [KB:R]</a:t>
+              <a:t>[</a:t>
+            </a:r>
+            <a:r>
+              <a:rPr lang="da-DK" b="1" smtClean="0"/>
+              <a:t>MF</a:t>
+            </a:r>
+            <a:r>
+              <a:rPr lang="da-DK" b="1" smtClean="0"/>
+              <a:t>:R</a:t>
+            </a:r>
+            <a:r>
+              <a:rPr lang="da-DK" b="1" smtClean="0"/>
+              <a:t>]</a:t>
             </a:r>
             <a:endParaRPr lang="da-DK" b="1"/>
           </a:p>
@@ -5205,7 +5162,6 @@
               <a:rPr lang="en-US" sz="3200" smtClean="0"/>
               <a:t>, but no specific examples</a:t>
             </a:r>
-            <a:endParaRPr lang="en-US" sz="3200" smtClean="0"/>
           </a:p>
           <a:p>
             <a:r>
@@ -5397,11 +5353,7 @@
           <a:p>
             <a:r>
               <a:rPr lang="en-US" sz="3200" i="1"/>
-              <a:t>ISBN</a:t>
-            </a:r>
-            <a:r>
-              <a:rPr lang="en-US" sz="3200" i="1"/>
-              <a:t>: </a:t>
+              <a:t>ISBN: </a:t>
             </a:r>
             <a:r>
               <a:rPr lang="en-US" sz="3200" i="1" smtClean="0"/>
